--- a/design_generation_service/templates/Streamline.pptx
+++ b/design_generation_service/templates/Streamline.pptx
@@ -1285,40 +1285,10 @@
       </p:pic>
       <p:sp>
         <p:nvSpPr>
-          <p:cNvPr id="4" name="Slide Number Placeholder 3">
-            <a:extLst>
-              <a:ext uri="{FF2B5EF4-FFF2-40B4-BE49-F238E27FC236}">
-                <a16:creationId xmlns:a16="http://schemas.microsoft.com/office/drawing/2014/main" id="{108E551C-14F1-4049-29C9-7A53E172F850}"/>
-              </a:ext>
-            </a:extLst>
-          </p:cNvPr>
-          <p:cNvSpPr>
-            <a:spLocks noGrp="1"/>
-          </p:cNvSpPr>
-          <p:nvPr>
-            <p:ph type="sldNum" sz="quarter" idx="11"/>
-          </p:nvPr>
-        </p:nvSpPr>
-        <p:spPr/>
-        <p:txBody>
-          <a:bodyPr/>
-          <a:lstStyle/>
-          <a:p>
-            <a:fld id="{B67B645E-C5E5-4727-B977-D372A0AA71D9}" type="slidenum">
-              <a:rPr lang="en-US" smtClean="0"/>
-              <a:pPr/>
-              <a:t>‹#›</a:t>
-            </a:fld>
-            <a:endParaRPr lang="en-US" dirty="0"/>
-          </a:p>
-        </p:txBody>
-      </p:sp>
-      <p:sp>
-        <p:nvSpPr>
-          <p:cNvPr id="10" name="Title 9">
-            <a:extLst>
-              <a:ext uri="{FF2B5EF4-FFF2-40B4-BE49-F238E27FC236}">
-                <a16:creationId xmlns:a16="http://schemas.microsoft.com/office/drawing/2014/main" id="{60C92175-5819-5082-4B84-FB0039A05EE8}"/>
+          <p:cNvPr id="2" name="Title 1">
+            <a:extLst>
+              <a:ext uri="{FF2B5EF4-FFF2-40B4-BE49-F238E27FC236}">
+                <a16:creationId xmlns:a16="http://schemas.microsoft.com/office/drawing/2014/main" id="{E6442CAE-2BAB-0076-6C05-0FAE650EA7BF}"/>
               </a:ext>
             </a:extLst>
           </p:cNvPr>
@@ -1331,114 +1301,19 @@
         </p:nvSpPr>
         <p:spPr>
           <a:xfrm>
-            <a:off x="2251558" y="916451"/>
-            <a:ext cx="7116927" cy="633730"/>
-          </a:xfrm>
-          <a:ln>
-            <a:noFill/>
-          </a:ln>
+            <a:off x="3144720" y="936452"/>
+            <a:ext cx="11329200" cy="432000"/>
+          </a:xfrm>
         </p:spPr>
         <p:txBody>
           <a:bodyPr/>
-          <a:lstStyle>
-            <a:lvl1pPr algn="l">
-              <a:defRPr sz="2800">
-                <a:solidFill>
-                  <a:schemeClr val="tx2">
-                    <a:lumMod val="50000"/>
-                  </a:schemeClr>
-                </a:solidFill>
-              </a:defRPr>
-            </a:lvl1pPr>
-          </a:lstStyle>
+          <a:lstStyle/>
           <a:p>
             <a:r>
-              <a:rPr lang="en-US" dirty="0"/>
+              <a:rPr lang="en-US"/>
               <a:t>Click to edit Master title style</a:t>
             </a:r>
-            <a:endParaRPr lang="en-IN" dirty="0"/>
-          </a:p>
-        </p:txBody>
-      </p:sp>
-      <p:sp>
-        <p:nvSpPr>
-          <p:cNvPr id="12" name="Text Placeholder 11">
-            <a:extLst>
-              <a:ext uri="{FF2B5EF4-FFF2-40B4-BE49-F238E27FC236}">
-                <a16:creationId xmlns:a16="http://schemas.microsoft.com/office/drawing/2014/main" id="{91A12D92-74F4-807E-9B21-44B0993B2680}"/>
-              </a:ext>
-            </a:extLst>
-          </p:cNvPr>
-          <p:cNvSpPr>
-            <a:spLocks noGrp="1"/>
-          </p:cNvSpPr>
-          <p:nvPr>
-            <p:ph type="body" sz="quarter" idx="12"/>
-          </p:nvPr>
-        </p:nvSpPr>
-        <p:spPr>
-          <a:xfrm>
-            <a:off x="2251558" y="1702924"/>
-            <a:ext cx="7128510" cy="4238625"/>
-          </a:xfrm>
-          <a:ln>
-            <a:noFill/>
-          </a:ln>
-        </p:spPr>
-        <p:txBody>
-          <a:bodyPr/>
-          <a:lstStyle>
-            <a:lvl1pPr>
-              <a:defRPr sz="1800"/>
-            </a:lvl1pPr>
-            <a:lvl2pPr>
-              <a:defRPr sz="1800"/>
-            </a:lvl2pPr>
-            <a:lvl3pPr>
-              <a:defRPr sz="1800"/>
-            </a:lvl3pPr>
-            <a:lvl4pPr>
-              <a:defRPr sz="1800"/>
-            </a:lvl4pPr>
-            <a:lvl5pPr>
-              <a:defRPr sz="1800"/>
-            </a:lvl5pPr>
-          </a:lstStyle>
-          <a:p>
-            <a:pPr lvl="0"/>
-            <a:r>
-              <a:rPr lang="en-US" dirty="0"/>
-              <a:t>Click to edit Master text styles</a:t>
-            </a:r>
-          </a:p>
-          <a:p>
-            <a:pPr lvl="1"/>
-            <a:r>
-              <a:rPr lang="en-US" dirty="0"/>
-              <a:t>Second level</a:t>
-            </a:r>
-          </a:p>
-          <a:p>
-            <a:pPr lvl="2"/>
-            <a:r>
-              <a:rPr lang="en-US" dirty="0"/>
-              <a:t>Third level</a:t>
-            </a:r>
-          </a:p>
-          <a:p>
-            <a:pPr lvl="3"/>
-            <a:r>
-              <a:rPr lang="en-US" dirty="0"/>
-              <a:t>Fourth level</a:t>
-            </a:r>
-          </a:p>
-          <a:p>
-            <a:pPr lvl="4"/>
-            <a:r>
-              <a:rPr lang="en-US" dirty="0"/>
-              <a:t>Fifth level</a:t>
-            </a:r>
-            <a:endParaRPr lang="en-IN" dirty="0"/>
+            <a:endParaRPr lang="en-IN"/>
           </a:p>
         </p:txBody>
       </p:sp>
@@ -1711,8 +1586,8 @@
         </p:nvSpPr>
         <p:spPr>
           <a:xfrm>
-            <a:off x="554039" y="960120"/>
-            <a:ext cx="7020241" cy="594360"/>
+            <a:off x="554040" y="960120"/>
+            <a:ext cx="6342062" cy="594360"/>
           </a:xfrm>
           <a:ln>
             <a:noFill/>
@@ -1722,7 +1597,7 @@
           <a:bodyPr/>
           <a:lstStyle>
             <a:lvl1pPr algn="l">
-              <a:defRPr sz="2800">
+              <a:defRPr sz="3600">
                 <a:solidFill>
                   <a:schemeClr val="bg1"/>
                 </a:solidFill>
@@ -1767,35 +1642,35 @@
           <a:bodyPr/>
           <a:lstStyle>
             <a:lvl1pPr>
-              <a:defRPr sz="1800">
+              <a:defRPr sz="2800">
                 <a:solidFill>
                   <a:schemeClr val="bg1"/>
                 </a:solidFill>
               </a:defRPr>
             </a:lvl1pPr>
             <a:lvl2pPr>
-              <a:defRPr sz="1800">
+              <a:defRPr sz="2800">
                 <a:solidFill>
                   <a:schemeClr val="bg1"/>
                 </a:solidFill>
               </a:defRPr>
             </a:lvl2pPr>
             <a:lvl3pPr>
-              <a:defRPr sz="1800">
+              <a:defRPr sz="2800">
                 <a:solidFill>
                   <a:schemeClr val="bg1"/>
                 </a:solidFill>
               </a:defRPr>
             </a:lvl3pPr>
             <a:lvl4pPr>
-              <a:defRPr sz="1800">
+              <a:defRPr sz="2800">
                 <a:solidFill>
                   <a:schemeClr val="bg1"/>
                 </a:solidFill>
               </a:defRPr>
             </a:lvl4pPr>
             <a:lvl5pPr>
-              <a:defRPr sz="1800">
+              <a:defRPr sz="2800">
                 <a:solidFill>
                   <a:schemeClr val="bg1"/>
                 </a:solidFill>
@@ -1859,7 +1734,7 @@
         <p:spPr>
           <a:xfrm>
             <a:off x="7224277" y="1689908"/>
-            <a:ext cx="3915641" cy="3969767"/>
+            <a:ext cx="3915641" cy="4569604"/>
           </a:xfrm>
           <a:prstGeom prst="flowChartOffpageConnector">
             <a:avLst/>
@@ -2085,36 +1960,6 @@
       </p:pic>
       <p:sp>
         <p:nvSpPr>
-          <p:cNvPr id="4" name="Slide Number Placeholder 3">
-            <a:extLst>
-              <a:ext uri="{FF2B5EF4-FFF2-40B4-BE49-F238E27FC236}">
-                <a16:creationId xmlns:a16="http://schemas.microsoft.com/office/drawing/2014/main" id="{108E551C-14F1-4049-29C9-7A53E172F850}"/>
-              </a:ext>
-            </a:extLst>
-          </p:cNvPr>
-          <p:cNvSpPr>
-            <a:spLocks noGrp="1"/>
-          </p:cNvSpPr>
-          <p:nvPr>
-            <p:ph type="sldNum" sz="quarter" idx="11"/>
-          </p:nvPr>
-        </p:nvSpPr>
-        <p:spPr/>
-        <p:txBody>
-          <a:bodyPr/>
-          <a:lstStyle/>
-          <a:p>
-            <a:fld id="{B67B645E-C5E5-4727-B977-D372A0AA71D9}" type="slidenum">
-              <a:rPr lang="en-US" smtClean="0"/>
-              <a:pPr/>
-              <a:t>‹#›</a:t>
-            </a:fld>
-            <a:endParaRPr lang="en-US" dirty="0"/>
-          </a:p>
-        </p:txBody>
-      </p:sp>
-      <p:sp>
-        <p:nvSpPr>
           <p:cNvPr id="5" name="Title 4">
             <a:extLst>
               <a:ext uri="{FF2B5EF4-FFF2-40B4-BE49-F238E27FC236}">
@@ -2142,7 +1987,7 @@
           <a:bodyPr/>
           <a:lstStyle>
             <a:lvl1pPr>
-              <a:defRPr sz="2800"/>
+              <a:defRPr sz="3600"/>
             </a:lvl1pPr>
           </a:lstStyle>
           <a:p>
@@ -2181,7 +2026,23 @@
         </p:spPr>
         <p:txBody>
           <a:bodyPr/>
-          <a:lstStyle/>
+          <a:lstStyle>
+            <a:lvl1pPr>
+              <a:defRPr sz="3600"/>
+            </a:lvl1pPr>
+            <a:lvl2pPr>
+              <a:defRPr sz="3600"/>
+            </a:lvl2pPr>
+            <a:lvl3pPr>
+              <a:defRPr sz="3200"/>
+            </a:lvl3pPr>
+            <a:lvl4pPr>
+              <a:defRPr sz="3200"/>
+            </a:lvl4pPr>
+            <a:lvl5pPr>
+              <a:defRPr sz="2800"/>
+            </a:lvl5pPr>
+          </a:lstStyle>
           <a:p>
             <a:pPr lvl="0"/>
             <a:r>
@@ -3274,7 +3135,7 @@
           <a:bodyPr/>
           <a:lstStyle>
             <a:lvl1pPr>
-              <a:defRPr sz="2800">
+              <a:defRPr sz="3600">
                 <a:solidFill>
                   <a:schemeClr val="bg1"/>
                 </a:solidFill>
@@ -3319,35 +3180,35 @@
           <a:bodyPr/>
           <a:lstStyle>
             <a:lvl1pPr>
-              <a:defRPr sz="1800">
+              <a:defRPr sz="2800">
                 <a:solidFill>
                   <a:schemeClr val="bg1"/>
                 </a:solidFill>
               </a:defRPr>
             </a:lvl1pPr>
             <a:lvl2pPr>
-              <a:defRPr sz="1800">
+              <a:defRPr sz="2800">
                 <a:solidFill>
                   <a:schemeClr val="bg1"/>
                 </a:solidFill>
               </a:defRPr>
             </a:lvl2pPr>
             <a:lvl3pPr>
-              <a:defRPr sz="1800">
+              <a:defRPr sz="2800">
                 <a:solidFill>
                   <a:schemeClr val="bg1"/>
                 </a:solidFill>
               </a:defRPr>
             </a:lvl3pPr>
             <a:lvl4pPr>
-              <a:defRPr sz="1800">
+              <a:defRPr sz="2800">
                 <a:solidFill>
                   <a:schemeClr val="bg1"/>
                 </a:solidFill>
               </a:defRPr>
             </a:lvl4pPr>
             <a:lvl5pPr>
-              <a:defRPr sz="1800">
+              <a:defRPr sz="2800">
                 <a:solidFill>
                   <a:schemeClr val="bg1"/>
                 </a:solidFill>
@@ -3631,9 +3492,52 @@
             <a:ext cx="6095999" cy="685601"/>
           </a:xfrm>
           <a:ln>
-            <a:solidFill>
-              <a:schemeClr val="bg1"/>
-            </a:solidFill>
+            <a:noFill/>
+          </a:ln>
+        </p:spPr>
+        <p:txBody>
+          <a:bodyPr/>
+          <a:lstStyle>
+            <a:lvl1pPr>
+              <a:defRPr sz="3600">
+                <a:solidFill>
+                  <a:schemeClr val="bg1"/>
+                </a:solidFill>
+              </a:defRPr>
+            </a:lvl1pPr>
+          </a:lstStyle>
+          <a:p>
+            <a:r>
+              <a:rPr lang="en-US"/>
+              <a:t>Click to edit Master title style</a:t>
+            </a:r>
+            <a:endParaRPr lang="en-IN"/>
+          </a:p>
+        </p:txBody>
+      </p:sp>
+      <p:sp>
+        <p:nvSpPr>
+          <p:cNvPr id="10" name="Text Placeholder 9">
+            <a:extLst>
+              <a:ext uri="{FF2B5EF4-FFF2-40B4-BE49-F238E27FC236}">
+                <a16:creationId xmlns:a16="http://schemas.microsoft.com/office/drawing/2014/main" id="{50AE7AA1-979F-D9FE-246E-03336A640C12}"/>
+              </a:ext>
+            </a:extLst>
+          </p:cNvPr>
+          <p:cNvSpPr>
+            <a:spLocks noGrp="1"/>
+          </p:cNvSpPr>
+          <p:nvPr>
+            <p:ph type="body" sz="quarter" idx="10"/>
+          </p:nvPr>
+        </p:nvSpPr>
+        <p:spPr>
+          <a:xfrm>
+            <a:off x="431011" y="1268413"/>
+            <a:ext cx="6075561" cy="4919027"/>
+          </a:xfrm>
+          <a:ln>
+            <a:noFill/>
           </a:ln>
         </p:spPr>
         <p:txBody>
@@ -3646,76 +3550,29 @@
                 </a:solidFill>
               </a:defRPr>
             </a:lvl1pPr>
-          </a:lstStyle>
-          <a:p>
-            <a:r>
-              <a:rPr lang="en-US"/>
-              <a:t>Click to edit Master title style</a:t>
-            </a:r>
-            <a:endParaRPr lang="en-IN"/>
-          </a:p>
-        </p:txBody>
-      </p:sp>
-      <p:sp>
-        <p:nvSpPr>
-          <p:cNvPr id="10" name="Text Placeholder 9">
-            <a:extLst>
-              <a:ext uri="{FF2B5EF4-FFF2-40B4-BE49-F238E27FC236}">
-                <a16:creationId xmlns:a16="http://schemas.microsoft.com/office/drawing/2014/main" id="{50AE7AA1-979F-D9FE-246E-03336A640C12}"/>
-              </a:ext>
-            </a:extLst>
-          </p:cNvPr>
-          <p:cNvSpPr>
-            <a:spLocks noGrp="1"/>
-          </p:cNvSpPr>
-          <p:nvPr>
-            <p:ph type="body" sz="quarter" idx="10"/>
-          </p:nvPr>
-        </p:nvSpPr>
-        <p:spPr>
-          <a:xfrm>
-            <a:off x="431011" y="1268413"/>
-            <a:ext cx="6075561" cy="4919027"/>
-          </a:xfrm>
-          <a:ln>
-            <a:solidFill>
-              <a:schemeClr val="bg1"/>
-            </a:solidFill>
-          </a:ln>
-        </p:spPr>
-        <p:txBody>
-          <a:bodyPr/>
-          <a:lstStyle>
-            <a:lvl1pPr>
-              <a:defRPr sz="1800">
-                <a:solidFill>
-                  <a:schemeClr val="bg1"/>
-                </a:solidFill>
-              </a:defRPr>
-            </a:lvl1pPr>
             <a:lvl2pPr>
-              <a:defRPr sz="1800">
+              <a:defRPr sz="2800">
                 <a:solidFill>
                   <a:schemeClr val="bg1"/>
                 </a:solidFill>
               </a:defRPr>
             </a:lvl2pPr>
             <a:lvl3pPr>
-              <a:defRPr sz="1800">
+              <a:defRPr sz="2800">
                 <a:solidFill>
                   <a:schemeClr val="bg1"/>
                 </a:solidFill>
               </a:defRPr>
             </a:lvl3pPr>
             <a:lvl4pPr>
-              <a:defRPr sz="1800">
+              <a:defRPr sz="2800">
                 <a:solidFill>
                   <a:schemeClr val="bg1"/>
                 </a:solidFill>
               </a:defRPr>
             </a:lvl4pPr>
             <a:lvl5pPr>
-              <a:defRPr sz="1800">
+              <a:defRPr sz="2800">
                 <a:solidFill>
                   <a:schemeClr val="bg1"/>
                 </a:solidFill>
@@ -3991,7 +3848,7 @@
           <a:bodyPr/>
           <a:lstStyle>
             <a:lvl1pPr>
-              <a:defRPr sz="2800">
+              <a:defRPr sz="3600">
                 <a:solidFill>
                   <a:srgbClr val="002060"/>
                 </a:solidFill>
@@ -4038,35 +3895,35 @@
           <a:bodyPr/>
           <a:lstStyle>
             <a:lvl1pPr>
-              <a:defRPr sz="1800">
+              <a:defRPr sz="2800">
                 <a:solidFill>
                   <a:schemeClr val="tx1"/>
                 </a:solidFill>
               </a:defRPr>
             </a:lvl1pPr>
             <a:lvl2pPr>
-              <a:defRPr sz="1800">
+              <a:defRPr sz="2800">
                 <a:solidFill>
                   <a:schemeClr val="tx1"/>
                 </a:solidFill>
               </a:defRPr>
             </a:lvl2pPr>
             <a:lvl3pPr>
-              <a:defRPr sz="1800">
+              <a:defRPr sz="2800">
                 <a:solidFill>
                   <a:schemeClr val="tx1"/>
                 </a:solidFill>
               </a:defRPr>
             </a:lvl3pPr>
             <a:lvl4pPr>
-              <a:defRPr sz="1800">
+              <a:defRPr sz="2800">
                 <a:solidFill>
                   <a:schemeClr val="tx1"/>
                 </a:solidFill>
               </a:defRPr>
             </a:lvl4pPr>
             <a:lvl5pPr>
-              <a:defRPr sz="1800">
+              <a:defRPr sz="2800">
                 <a:solidFill>
                   <a:schemeClr val="tx1"/>
                 </a:solidFill>
@@ -4076,38 +3933,38 @@
           <a:p>
             <a:pPr lvl="0"/>
             <a:r>
-              <a:rPr lang="en-US"/>
+              <a:rPr lang="en-US" dirty="0"/>
               <a:t>Click to edit Master text styles</a:t>
             </a:r>
           </a:p>
           <a:p>
             <a:pPr lvl="1"/>
             <a:r>
-              <a:rPr lang="en-US"/>
+              <a:rPr lang="en-US" dirty="0"/>
               <a:t>Second level</a:t>
             </a:r>
           </a:p>
           <a:p>
             <a:pPr lvl="2"/>
             <a:r>
-              <a:rPr lang="en-US"/>
+              <a:rPr lang="en-US" dirty="0"/>
               <a:t>Third level</a:t>
             </a:r>
           </a:p>
           <a:p>
             <a:pPr lvl="3"/>
             <a:r>
-              <a:rPr lang="en-US"/>
+              <a:rPr lang="en-US" dirty="0"/>
               <a:t>Fourth level</a:t>
             </a:r>
           </a:p>
           <a:p>
             <a:pPr lvl="4"/>
             <a:r>
-              <a:rPr lang="en-US"/>
+              <a:rPr lang="en-US" dirty="0"/>
               <a:t>Fifth level</a:t>
             </a:r>
-            <a:endParaRPr lang="en-IN"/>
+            <a:endParaRPr lang="en-IN" dirty="0"/>
           </a:p>
         </p:txBody>
       </p:sp>
@@ -5547,35 +5404,6 @@
 </file>
 
 <file path=customXml/item1.xml><?xml version="1.0" encoding="utf-8"?>
-<p:properties xmlns:p="http://schemas.microsoft.com/office/2006/metadata/properties" xmlns:xsi="http://www.w3.org/2001/XMLSchema-instance" xmlns:pc="http://schemas.microsoft.com/office/infopath/2007/PartnerControls">
-  <documentManagement>
-    <MediaServiceKeyPoints xmlns="71af3243-3dd4-4a8d-8c0d-dd76da1f02a5" xsi:nil="true"/>
-    <_ip_UnifiedCompliancePolicyUIAction xmlns="http://schemas.microsoft.com/sharepoint/v3" xsi:nil="true"/>
-    <Image xmlns="71af3243-3dd4-4a8d-8c0d-dd76da1f02a5">
-      <Url xsi:nil="true"/>
-      <Description xsi:nil="true"/>
-    </Image>
-    <Status xmlns="71af3243-3dd4-4a8d-8c0d-dd76da1f02a5">Not started</Status>
-    <Background xmlns="71af3243-3dd4-4a8d-8c0d-dd76da1f02a5">false</Background>
-    <_ip_UnifiedCompliancePolicyProperties xmlns="http://schemas.microsoft.com/sharepoint/v3" xsi:nil="true"/>
-    <ImageTagsTaxHTField xmlns="71af3243-3dd4-4a8d-8c0d-dd76da1f02a5">
-      <Terms xmlns="http://schemas.microsoft.com/office/infopath/2007/PartnerControls"/>
-    </ImageTagsTaxHTField>
-    <TaxCatchAll xmlns="230e9df3-be65-4c73-a93b-d1236ebd677e" xsi:nil="true"/>
-  </documentManagement>
-</p:properties>
-</file>
-
-<file path=customXml/item2.xml><?xml version="1.0" encoding="utf-8"?>
-<?mso-contentType ?>
-<FormTemplates xmlns="http://schemas.microsoft.com/sharepoint/v3/contenttype/forms">
-  <Display>DocumentLibraryForm</Display>
-  <Edit>DocumentLibraryForm</Edit>
-  <New>DocumentLibraryForm</New>
-</FormTemplates>
-</file>
-
-<file path=customXml/item3.xml><?xml version="1.0" encoding="utf-8"?>
 <ct:contentTypeSchema xmlns:ct="http://schemas.microsoft.com/office/2006/metadata/contentType" xmlns:ma="http://schemas.microsoft.com/office/2006/metadata/properties/metaAttributes" ct:_="" ma:_="" ma:contentTypeName="Document" ma:contentTypeID="0x01010079F111ED35F8CC479449609E8A0923A6" ma:contentTypeVersion="29" ma:contentTypeDescription="Create a new document." ma:contentTypeScope="" ma:versionID="6a914531ae0f23be31da2eba1f3b42a9">
   <xsd:schema xmlns:xsd="http://www.w3.org/2001/XMLSchema" xmlns:xs="http://www.w3.org/2001/XMLSchema" xmlns:p="http://schemas.microsoft.com/office/2006/metadata/properties" xmlns:ns1="http://schemas.microsoft.com/sharepoint/v3" xmlns:ns2="71af3243-3dd4-4a8d-8c0d-dd76da1f02a5" xmlns:ns3="16c05727-aa75-4e4a-9b5f-8a80a1165891" xmlns:ns4="230e9df3-be65-4c73-a93b-d1236ebd677e" targetNamespace="http://schemas.microsoft.com/office/2006/metadata/properties" ma:root="true" ma:fieldsID="ae00154c9e66547f022c4923f88826d6" ns1:_="" ns2:_="" ns3:_="" ns4:_="">
     <xsd:import namespace="http://schemas.microsoft.com/sharepoint/v3"/>
@@ -5887,27 +5715,36 @@
 </ct:contentTypeSchema>
 </file>
 
-<file path=customXml/itemProps1.xml><?xml version="1.0" encoding="utf-8"?>
-<ds:datastoreItem xmlns:ds="http://schemas.openxmlformats.org/officeDocument/2006/customXml" ds:itemID="{7B247F30-5811-40C0-99EC-CF53200590BE}">
-  <ds:schemaRefs>
-    <ds:schemaRef ds:uri="230e9df3-be65-4c73-a93b-d1236ebd677e"/>
-    <ds:schemaRef ds:uri="71af3243-3dd4-4a8d-8c0d-dd76da1f02a5"/>
-    <ds:schemaRef ds:uri="http://schemas.microsoft.com/office/2006/metadata/properties"/>
-    <ds:schemaRef ds:uri="http://schemas.microsoft.com/office/infopath/2007/PartnerControls"/>
-    <ds:schemaRef ds:uri="http://schemas.microsoft.com/sharepoint/v3"/>
-  </ds:schemaRefs>
-</ds:datastoreItem>
+<file path=customXml/item2.xml><?xml version="1.0" encoding="utf-8"?>
+<?mso-contentType ?>
+<FormTemplates xmlns="http://schemas.microsoft.com/sharepoint/v3/contenttype/forms">
+  <Display>DocumentLibraryForm</Display>
+  <Edit>DocumentLibraryForm</Edit>
+  <New>DocumentLibraryForm</New>
+</FormTemplates>
 </file>
 
-<file path=customXml/itemProps2.xml><?xml version="1.0" encoding="utf-8"?>
-<ds:datastoreItem xmlns:ds="http://schemas.openxmlformats.org/officeDocument/2006/customXml" ds:itemID="{55E72E99-0076-433E-AD3A-575A11FAB73D}">
-  <ds:schemaRefs>
-    <ds:schemaRef ds:uri="http://schemas.microsoft.com/sharepoint/v3/contenttype/forms"/>
-  </ds:schemaRefs>
-</ds:datastoreItem>
+<file path=customXml/item3.xml><?xml version="1.0" encoding="utf-8"?>
+<p:properties xmlns:p="http://schemas.microsoft.com/office/2006/metadata/properties" xmlns:xsi="http://www.w3.org/2001/XMLSchema-instance" xmlns:pc="http://schemas.microsoft.com/office/infopath/2007/PartnerControls">
+  <documentManagement>
+    <MediaServiceKeyPoints xmlns="71af3243-3dd4-4a8d-8c0d-dd76da1f02a5" xsi:nil="true"/>
+    <_ip_UnifiedCompliancePolicyUIAction xmlns="http://schemas.microsoft.com/sharepoint/v3" xsi:nil="true"/>
+    <Image xmlns="71af3243-3dd4-4a8d-8c0d-dd76da1f02a5">
+      <Url xsi:nil="true"/>
+      <Description xsi:nil="true"/>
+    </Image>
+    <Status xmlns="71af3243-3dd4-4a8d-8c0d-dd76da1f02a5">Not started</Status>
+    <Background xmlns="71af3243-3dd4-4a8d-8c0d-dd76da1f02a5">false</Background>
+    <_ip_UnifiedCompliancePolicyProperties xmlns="http://schemas.microsoft.com/sharepoint/v3" xsi:nil="true"/>
+    <ImageTagsTaxHTField xmlns="71af3243-3dd4-4a8d-8c0d-dd76da1f02a5">
+      <Terms xmlns="http://schemas.microsoft.com/office/infopath/2007/PartnerControls"/>
+    </ImageTagsTaxHTField>
+    <TaxCatchAll xmlns="230e9df3-be65-4c73-a93b-d1236ebd677e" xsi:nil="true"/>
+  </documentManagement>
+</p:properties>
 </file>
 
-<file path=customXml/itemProps3.xml><?xml version="1.0" encoding="utf-8"?>
+<file path=customXml/itemProps1.xml><?xml version="1.0" encoding="utf-8"?>
 <ds:datastoreItem xmlns:ds="http://schemas.openxmlformats.org/officeDocument/2006/customXml" ds:itemID="{146EB691-4DD5-4558-B7D1-3EA8CC81E288}">
   <ds:schemaRefs>
     <ds:schemaRef ds:uri="http://schemas.microsoft.com/office/2006/metadata/contentType"/>
@@ -5928,6 +5765,26 @@
 </ds:datastoreItem>
 </file>
 
+<file path=customXml/itemProps2.xml><?xml version="1.0" encoding="utf-8"?>
+<ds:datastoreItem xmlns:ds="http://schemas.openxmlformats.org/officeDocument/2006/customXml" ds:itemID="{55E72E99-0076-433E-AD3A-575A11FAB73D}">
+  <ds:schemaRefs>
+    <ds:schemaRef ds:uri="http://schemas.microsoft.com/sharepoint/v3/contenttype/forms"/>
+  </ds:schemaRefs>
+</ds:datastoreItem>
+</file>
+
+<file path=customXml/itemProps3.xml><?xml version="1.0" encoding="utf-8"?>
+<ds:datastoreItem xmlns:ds="http://schemas.openxmlformats.org/officeDocument/2006/customXml" ds:itemID="{7B247F30-5811-40C0-99EC-CF53200590BE}">
+  <ds:schemaRefs>
+    <ds:schemaRef ds:uri="230e9df3-be65-4c73-a93b-d1236ebd677e"/>
+    <ds:schemaRef ds:uri="71af3243-3dd4-4a8d-8c0d-dd76da1f02a5"/>
+    <ds:schemaRef ds:uri="http://schemas.microsoft.com/office/2006/metadata/properties"/>
+    <ds:schemaRef ds:uri="http://schemas.microsoft.com/office/infopath/2007/PartnerControls"/>
+    <ds:schemaRef ds:uri="http://schemas.microsoft.com/sharepoint/v3"/>
+  </ds:schemaRefs>
+</ds:datastoreItem>
+</file>
+
 <file path=docMetadata/LabelInfo.xml><?xml version="1.0" encoding="utf-8"?>
 <clbl:labelList xmlns:clbl="http://schemas.microsoft.com/office/2020/mipLabelMetadata"/>
 </file>